--- a/Guias retangulares metálicos e guias de substrato integrado.pptx
+++ b/Guias retangulares metálicos e guias de substrato integrado.pptx
@@ -130,6 +130,11 @@
       </a:defRPr>
     </a:lvl9pPr>
   </p:defaultTextStyle>
+  <p:extLst>
+    <p:ext uri="{EFAFB233-063F-42B5-8137-9DF3F51BA10A}">
+      <p15:sldGuideLst xmlns:p15="http://schemas.microsoft.com/office/powerpoint/2012/main"/>
+    </p:ext>
+  </p:extLst>
 </p:presentation>
 </file>
 
@@ -215,7 +220,7 @@
           <a:p>
             <a:fld id="{2C28BBFB-1194-4C9F-B2CD-C9F5A11E40E7}" type="datetimeFigureOut">
               <a:rPr lang="pt-BR" smtClean="0"/>
-              <a:t>15/04/2025</a:t>
+              <a:t>16/04/2025</a:t>
             </a:fld>
             <a:endParaRPr lang="pt-BR"/>
           </a:p>
@@ -1228,7 +1233,7 @@
           <a:p>
             <a:fld id="{0E3EADF8-22DA-4DCD-8B3A-2698F26F5AEE}" type="datetimeFigureOut">
               <a:rPr lang="pt-BR" smtClean="0"/>
-              <a:t>15/04/2025</a:t>
+              <a:t>16/04/2025</a:t>
             </a:fld>
             <a:endParaRPr lang="pt-BR"/>
           </a:p>
@@ -1479,7 +1484,7 @@
           <a:p>
             <a:fld id="{0E3EADF8-22DA-4DCD-8B3A-2698F26F5AEE}" type="datetimeFigureOut">
               <a:rPr lang="pt-BR" smtClean="0"/>
-              <a:t>15/04/2025</a:t>
+              <a:t>16/04/2025</a:t>
             </a:fld>
             <a:endParaRPr lang="pt-BR"/>
           </a:p>
@@ -1793,7 +1798,7 @@
           <a:p>
             <a:fld id="{0E3EADF8-22DA-4DCD-8B3A-2698F26F5AEE}" type="datetimeFigureOut">
               <a:rPr lang="pt-BR" smtClean="0"/>
-              <a:t>15/04/2025</a:t>
+              <a:t>16/04/2025</a:t>
             </a:fld>
             <a:endParaRPr lang="pt-BR"/>
           </a:p>
@@ -2126,7 +2131,7 @@
           <a:p>
             <a:fld id="{0E3EADF8-22DA-4DCD-8B3A-2698F26F5AEE}" type="datetimeFigureOut">
               <a:rPr lang="pt-BR" smtClean="0"/>
-              <a:t>15/04/2025</a:t>
+              <a:t>16/04/2025</a:t>
             </a:fld>
             <a:endParaRPr lang="pt-BR"/>
           </a:p>
@@ -2440,7 +2445,7 @@
           <a:p>
             <a:fld id="{0E3EADF8-22DA-4DCD-8B3A-2698F26F5AEE}" type="datetimeFigureOut">
               <a:rPr lang="pt-BR" smtClean="0"/>
-              <a:t>15/04/2025</a:t>
+              <a:t>16/04/2025</a:t>
             </a:fld>
             <a:endParaRPr lang="pt-BR"/>
           </a:p>
@@ -2833,7 +2838,7 @@
           <a:p>
             <a:fld id="{0E3EADF8-22DA-4DCD-8B3A-2698F26F5AEE}" type="datetimeFigureOut">
               <a:rPr lang="pt-BR" smtClean="0"/>
-              <a:t>15/04/2025</a:t>
+              <a:t>16/04/2025</a:t>
             </a:fld>
             <a:endParaRPr lang="pt-BR"/>
           </a:p>
@@ -3003,7 +3008,7 @@
           <a:p>
             <a:fld id="{0E3EADF8-22DA-4DCD-8B3A-2698F26F5AEE}" type="datetimeFigureOut">
               <a:rPr lang="pt-BR" smtClean="0"/>
-              <a:t>15/04/2025</a:t>
+              <a:t>16/04/2025</a:t>
             </a:fld>
             <a:endParaRPr lang="pt-BR"/>
           </a:p>
@@ -3183,7 +3188,7 @@
           <a:p>
             <a:fld id="{0E3EADF8-22DA-4DCD-8B3A-2698F26F5AEE}" type="datetimeFigureOut">
               <a:rPr lang="pt-BR" smtClean="0"/>
-              <a:t>15/04/2025</a:t>
+              <a:t>16/04/2025</a:t>
             </a:fld>
             <a:endParaRPr lang="pt-BR"/>
           </a:p>
@@ -3353,7 +3358,7 @@
           <a:p>
             <a:fld id="{0E3EADF8-22DA-4DCD-8B3A-2698F26F5AEE}" type="datetimeFigureOut">
               <a:rPr lang="pt-BR" smtClean="0"/>
-              <a:t>15/04/2025</a:t>
+              <a:t>16/04/2025</a:t>
             </a:fld>
             <a:endParaRPr lang="pt-BR"/>
           </a:p>
@@ -3600,7 +3605,7 @@
           <a:p>
             <a:fld id="{0E3EADF8-22DA-4DCD-8B3A-2698F26F5AEE}" type="datetimeFigureOut">
               <a:rPr lang="pt-BR" smtClean="0"/>
-              <a:t>15/04/2025</a:t>
+              <a:t>16/04/2025</a:t>
             </a:fld>
             <a:endParaRPr lang="pt-BR"/>
           </a:p>
@@ -3832,7 +3837,7 @@
           <a:p>
             <a:fld id="{0E3EADF8-22DA-4DCD-8B3A-2698F26F5AEE}" type="datetimeFigureOut">
               <a:rPr lang="pt-BR" smtClean="0"/>
-              <a:t>15/04/2025</a:t>
+              <a:t>16/04/2025</a:t>
             </a:fld>
             <a:endParaRPr lang="pt-BR"/>
           </a:p>
@@ -4206,7 +4211,7 @@
           <a:p>
             <a:fld id="{0E3EADF8-22DA-4DCD-8B3A-2698F26F5AEE}" type="datetimeFigureOut">
               <a:rPr lang="pt-BR" smtClean="0"/>
-              <a:t>15/04/2025</a:t>
+              <a:t>16/04/2025</a:t>
             </a:fld>
             <a:endParaRPr lang="pt-BR"/>
           </a:p>
@@ -4329,7 +4334,7 @@
           <a:p>
             <a:fld id="{0E3EADF8-22DA-4DCD-8B3A-2698F26F5AEE}" type="datetimeFigureOut">
               <a:rPr lang="pt-BR" smtClean="0"/>
-              <a:t>15/04/2025</a:t>
+              <a:t>16/04/2025</a:t>
             </a:fld>
             <a:endParaRPr lang="pt-BR"/>
           </a:p>
@@ -4424,7 +4429,7 @@
           <a:p>
             <a:fld id="{0E3EADF8-22DA-4DCD-8B3A-2698F26F5AEE}" type="datetimeFigureOut">
               <a:rPr lang="pt-BR" smtClean="0"/>
-              <a:t>15/04/2025</a:t>
+              <a:t>16/04/2025</a:t>
             </a:fld>
             <a:endParaRPr lang="pt-BR"/>
           </a:p>
@@ -4679,7 +4684,7 @@
           <a:p>
             <a:fld id="{0E3EADF8-22DA-4DCD-8B3A-2698F26F5AEE}" type="datetimeFigureOut">
               <a:rPr lang="pt-BR" smtClean="0"/>
-              <a:t>15/04/2025</a:t>
+              <a:t>16/04/2025</a:t>
             </a:fld>
             <a:endParaRPr lang="pt-BR"/>
           </a:p>
@@ -4984,7 +4989,7 @@
           <a:p>
             <a:fld id="{0E3EADF8-22DA-4DCD-8B3A-2698F26F5AEE}" type="datetimeFigureOut">
               <a:rPr lang="pt-BR" smtClean="0"/>
-              <a:t>15/04/2025</a:t>
+              <a:t>16/04/2025</a:t>
             </a:fld>
             <a:endParaRPr lang="pt-BR"/>
           </a:p>
@@ -5686,7 +5691,7 @@
           <a:p>
             <a:fld id="{0E3EADF8-22DA-4DCD-8B3A-2698F26F5AEE}" type="datetimeFigureOut">
               <a:rPr lang="pt-BR" smtClean="0"/>
-              <a:t>15/04/2025</a:t>
+              <a:t>16/04/2025</a:t>
             </a:fld>
             <a:endParaRPr lang="pt-BR"/>
           </a:p>
@@ -6726,7 +6731,7 @@
           <a:p>
             <a:r>
               <a:rPr lang="pt-BR" dirty="0"/>
-              <a:t>ϵr = 1 e μr = 1</a:t>
+              <a:t>L =16mm, ϵr = 1 e μr = 1</a:t>
             </a:r>
           </a:p>
         </p:txBody>
@@ -6911,7 +6916,7 @@
           <a:p>
             <a:r>
               <a:rPr lang="pt-BR" dirty="0"/>
-              <a:t>ϵr = 1 e μr = 1</a:t>
+              <a:t>L =16mm, ϵr = 1 e μr = 1</a:t>
             </a:r>
           </a:p>
         </p:txBody>
@@ -8103,7 +8108,7 @@
           <a:p>
             <a:r>
               <a:rPr lang="pt-BR" dirty="0"/>
-              <a:t>ϵr = 9.9 e μr = 1</a:t>
+              <a:t>L =16mm, ϵr = 9.9 e μr = 1</a:t>
             </a:r>
           </a:p>
         </p:txBody>
@@ -8288,7 +8293,7 @@
           <a:p>
             <a:r>
               <a:rPr lang="pt-BR" dirty="0"/>
-              <a:t>ϵr = 9.9 e μr = 1</a:t>
+              <a:t>L =16mm, ϵr = 9.9 e μr = 1</a:t>
             </a:r>
           </a:p>
         </p:txBody>
@@ -8473,7 +8478,7 @@
           <a:p>
             <a:r>
               <a:rPr lang="pt-BR" dirty="0"/>
-              <a:t>ϵr = 9.9 e μr = 1</a:t>
+              <a:t>L =16mm, ϵr = 9.9 e μr = 1</a:t>
             </a:r>
           </a:p>
         </p:txBody>
@@ -8658,7 +8663,7 @@
           <a:p>
             <a:r>
               <a:rPr lang="pt-BR" dirty="0"/>
-              <a:t>ϵr = 9.9 e μr = 1</a:t>
+              <a:t>L =16mm, ϵr = 9.9 e μr = 1</a:t>
             </a:r>
           </a:p>
         </p:txBody>
@@ -9880,7 +9885,7 @@
           <a:p>
             <a:r>
               <a:rPr lang="pt-BR" dirty="0"/>
-              <a:t>ϵr = 9.9 e μr = 1</a:t>
+              <a:t>L =5.5mm, ϵr = 9.9 e μr = 1</a:t>
             </a:r>
           </a:p>
         </p:txBody>
@@ -10065,7 +10070,7 @@
           <a:p>
             <a:r>
               <a:rPr lang="pt-BR" dirty="0"/>
-              <a:t>ϵr = 9.9 e μr = 1</a:t>
+              <a:t>L =5.5mm, ϵr = 9.9 e μr = 1</a:t>
             </a:r>
           </a:p>
         </p:txBody>
@@ -12452,7 +12457,7 @@
           <a:p>
             <a:r>
               <a:rPr lang="pt-BR" dirty="0"/>
-              <a:t>ϵr = 9.9 e μr = 1</a:t>
+              <a:t>L =5.5mm, ϵr = 9.9 e μr = 1</a:t>
             </a:r>
           </a:p>
         </p:txBody>
@@ -12637,7 +12642,7 @@
           <a:p>
             <a:r>
               <a:rPr lang="pt-BR" dirty="0"/>
-              <a:t>ϵr = 9.9 e μr = 1</a:t>
+              <a:t>L =5.5mm, ϵr = 9.9 e μr = 1</a:t>
             </a:r>
           </a:p>
         </p:txBody>
@@ -19805,7 +19810,7 @@
           <a:p>
             <a:r>
               <a:rPr lang="pt-BR" dirty="0"/>
-              <a:t>ϵr = 1 e μr = 1</a:t>
+              <a:t>L =16mm, ϵr = 1 e μr = 1</a:t>
             </a:r>
           </a:p>
         </p:txBody>
@@ -19990,7 +19995,7 @@
           <a:p>
             <a:r>
               <a:rPr lang="pt-BR" dirty="0"/>
-              <a:t>ϵr = 1 e μr = 1</a:t>
+              <a:t>L =16mm, ϵr = 1 e μr = 1</a:t>
             </a:r>
           </a:p>
         </p:txBody>
